--- a/soutenance_P8.pptx
+++ b/soutenance_P8.pptx
@@ -30292,8 +30292,13 @@
             </a:r>
             <a:r>
               <a:rPr lang="fr-FR" dirty="0"/>
-              <a:t> prêtes à l’emploi générés par Django =&gt; ex : Login</a:t>
+              <a:t> prêtes à l’emploi générés par Django =&gt; ex : </a:t>
             </a:r>
+            <a:r>
+              <a:rPr lang="fr-FR" dirty="0" err="1"/>
+              <a:t>LoginView</a:t>
+            </a:r>
+            <a:endParaRPr lang="fr-FR" dirty="0"/>
           </a:p>
           <a:p>
             <a:endParaRPr lang="fr-FR" dirty="0"/>

--- a/soutenance_P8.pptx
+++ b/soutenance_P8.pptx
@@ -7070,9 +7070,25 @@
         <a:p>
           <a:r>
             <a:rPr lang="fr-FR" sz="2000"/>
-            <a:t>Utlisation de Selenium pour la fonction register</a:t>
+            <a:t>Utilisation </a:t>
           </a:r>
-          <a:endParaRPr lang="en-US" sz="2000"/>
+          <a:r>
+            <a:rPr lang="fr-FR" sz="2000" dirty="0"/>
+            <a:t>de </a:t>
+          </a:r>
+          <a:r>
+            <a:rPr lang="fr-FR" sz="2000" dirty="0" err="1"/>
+            <a:t>Selenium</a:t>
+          </a:r>
+          <a:r>
+            <a:rPr lang="fr-FR" sz="2000" dirty="0"/>
+            <a:t> pour la fonction </a:t>
+          </a:r>
+          <a:r>
+            <a:rPr lang="fr-FR" sz="2000" dirty="0" err="1"/>
+            <a:t>register</a:t>
+          </a:r>
+          <a:endParaRPr lang="en-US" sz="2000" dirty="0"/>
         </a:p>
       </dgm:t>
     </dgm:pt>
@@ -9933,9 +9949,25 @@
           </a:pPr>
           <a:r>
             <a:rPr lang="fr-FR" sz="2000" kern="1200"/>
-            <a:t>Utlisation de Selenium pour la fonction register</a:t>
+            <a:t>Utilisation </a:t>
           </a:r>
-          <a:endParaRPr lang="en-US" sz="2000" kern="1200"/>
+          <a:r>
+            <a:rPr lang="fr-FR" sz="2000" kern="1200" dirty="0"/>
+            <a:t>de </a:t>
+          </a:r>
+          <a:r>
+            <a:rPr lang="fr-FR" sz="2000" kern="1200" dirty="0" err="1"/>
+            <a:t>Selenium</a:t>
+          </a:r>
+          <a:r>
+            <a:rPr lang="fr-FR" sz="2000" kern="1200" dirty="0"/>
+            <a:t> pour la fonction </a:t>
+          </a:r>
+          <a:r>
+            <a:rPr lang="fr-FR" sz="2000" kern="1200" dirty="0" err="1"/>
+            <a:t>register</a:t>
+          </a:r>
+          <a:endParaRPr lang="en-US" sz="2000" kern="1200" dirty="0"/>
         </a:p>
       </dsp:txBody>
       <dsp:txXfrm>
@@ -31956,7 +31988,7 @@
             <p:ph idx="1"/>
             <p:extLst>
               <p:ext uri="{D42A27DB-BD31-4B8C-83A1-F6EECF244321}">
-                <p14:modId xmlns:p14="http://schemas.microsoft.com/office/powerpoint/2010/main" val="1908524855"/>
+                <p14:modId xmlns:p14="http://schemas.microsoft.com/office/powerpoint/2010/main" val="2925299702"/>
               </p:ext>
             </p:extLst>
           </p:nvPr>
